--- a/files/crypto.pptx
+++ b/files/crypto.pptx
@@ -219,7 +219,7 @@
           <a:p>
             <a:fld id="{C6513600-717B-4CBB-9AFE-1F576C1D3E1D}" type="datetimeFigureOut">
               <a:rPr lang="he-IL" smtClean="0"/>
-              <a:t>י'/אדר א/תשפ"ד</a:t>
+              <a:t>י"א/אדר א/תשפ"ד</a:t>
             </a:fld>
             <a:endParaRPr lang="he-IL"/>
           </a:p>
@@ -2195,7 +2195,7 @@
           <a:p>
             <a:fld id="{02109FA5-8937-4EFE-A1A6-BD6EB76E3D9A}" type="datetimeFigureOut">
               <a:rPr lang="he-IL" smtClean="0"/>
-              <a:t>י'/אדר א/תשפ"ד</a:t>
+              <a:t>י"א/אדר א/תשפ"ד</a:t>
             </a:fld>
             <a:endParaRPr lang="he-IL"/>
           </a:p>
@@ -2395,7 +2395,7 @@
           <a:p>
             <a:fld id="{02109FA5-8937-4EFE-A1A6-BD6EB76E3D9A}" type="datetimeFigureOut">
               <a:rPr lang="he-IL" smtClean="0"/>
-              <a:t>י'/אדר א/תשפ"ד</a:t>
+              <a:t>י"א/אדר א/תשפ"ד</a:t>
             </a:fld>
             <a:endParaRPr lang="he-IL"/>
           </a:p>
@@ -2605,7 +2605,7 @@
           <a:p>
             <a:fld id="{02109FA5-8937-4EFE-A1A6-BD6EB76E3D9A}" type="datetimeFigureOut">
               <a:rPr lang="he-IL" smtClean="0"/>
-              <a:t>י'/אדר א/תשפ"ד</a:t>
+              <a:t>י"א/אדר א/תשפ"ד</a:t>
             </a:fld>
             <a:endParaRPr lang="he-IL"/>
           </a:p>
@@ -2805,7 +2805,7 @@
           <a:p>
             <a:fld id="{02109FA5-8937-4EFE-A1A6-BD6EB76E3D9A}" type="datetimeFigureOut">
               <a:rPr lang="he-IL" smtClean="0"/>
-              <a:t>י'/אדר א/תשפ"ד</a:t>
+              <a:t>י"א/אדר א/תשפ"ד</a:t>
             </a:fld>
             <a:endParaRPr lang="he-IL"/>
           </a:p>
@@ -3081,7 +3081,7 @@
           <a:p>
             <a:fld id="{02109FA5-8937-4EFE-A1A6-BD6EB76E3D9A}" type="datetimeFigureOut">
               <a:rPr lang="he-IL" smtClean="0"/>
-              <a:t>י'/אדר א/תשפ"ד</a:t>
+              <a:t>י"א/אדר א/תשפ"ד</a:t>
             </a:fld>
             <a:endParaRPr lang="he-IL"/>
           </a:p>
@@ -3349,7 +3349,7 @@
           <a:p>
             <a:fld id="{02109FA5-8937-4EFE-A1A6-BD6EB76E3D9A}" type="datetimeFigureOut">
               <a:rPr lang="he-IL" smtClean="0"/>
-              <a:t>י'/אדר א/תשפ"ד</a:t>
+              <a:t>י"א/אדר א/תשפ"ד</a:t>
             </a:fld>
             <a:endParaRPr lang="he-IL"/>
           </a:p>
@@ -3764,7 +3764,7 @@
           <a:p>
             <a:fld id="{02109FA5-8937-4EFE-A1A6-BD6EB76E3D9A}" type="datetimeFigureOut">
               <a:rPr lang="he-IL" smtClean="0"/>
-              <a:t>י'/אדר א/תשפ"ד</a:t>
+              <a:t>י"א/אדר א/תשפ"ד</a:t>
             </a:fld>
             <a:endParaRPr lang="he-IL"/>
           </a:p>
@@ -3906,7 +3906,7 @@
           <a:p>
             <a:fld id="{02109FA5-8937-4EFE-A1A6-BD6EB76E3D9A}" type="datetimeFigureOut">
               <a:rPr lang="he-IL" smtClean="0"/>
-              <a:t>י'/אדר א/תשפ"ד</a:t>
+              <a:t>י"א/אדר א/תשפ"ד</a:t>
             </a:fld>
             <a:endParaRPr lang="he-IL"/>
           </a:p>
@@ -4019,7 +4019,7 @@
           <a:p>
             <a:fld id="{02109FA5-8937-4EFE-A1A6-BD6EB76E3D9A}" type="datetimeFigureOut">
               <a:rPr lang="he-IL" smtClean="0"/>
-              <a:t>י'/אדר א/תשפ"ד</a:t>
+              <a:t>י"א/אדר א/תשפ"ד</a:t>
             </a:fld>
             <a:endParaRPr lang="he-IL"/>
           </a:p>
@@ -4332,7 +4332,7 @@
           <a:p>
             <a:fld id="{02109FA5-8937-4EFE-A1A6-BD6EB76E3D9A}" type="datetimeFigureOut">
               <a:rPr lang="he-IL" smtClean="0"/>
-              <a:t>י'/אדר א/תשפ"ד</a:t>
+              <a:t>י"א/אדר א/תשפ"ד</a:t>
             </a:fld>
             <a:endParaRPr lang="he-IL"/>
           </a:p>
@@ -4625,7 +4625,7 @@
           <a:p>
             <a:fld id="{02109FA5-8937-4EFE-A1A6-BD6EB76E3D9A}" type="datetimeFigureOut">
               <a:rPr lang="he-IL" smtClean="0"/>
-              <a:t>י'/אדר א/תשפ"ד</a:t>
+              <a:t>י"א/אדר א/תשפ"ד</a:t>
             </a:fld>
             <a:endParaRPr lang="he-IL"/>
           </a:p>
@@ -4868,7 +4868,7 @@
           <a:p>
             <a:fld id="{02109FA5-8937-4EFE-A1A6-BD6EB76E3D9A}" type="datetimeFigureOut">
               <a:rPr lang="he-IL" smtClean="0"/>
-              <a:t>י'/אדר א/תשפ"ד</a:t>
+              <a:t>י"א/אדר א/תשפ"ד</a:t>
             </a:fld>
             <a:endParaRPr lang="he-IL"/>
           </a:p>
@@ -7752,54 +7752,11 @@
           <a:lstStyle/>
           <a:p>
             <a:pPr algn="ctr"/>
-            <a:endParaRPr lang="he-IL"/>
-          </a:p>
-        </p:txBody>
-      </p:sp>
-      <p:sp>
-        <p:nvSpPr>
-          <p:cNvPr id="2" name="Rectangle 1">
-            <a:extLst>
-              <a:ext uri="{FF2B5EF4-FFF2-40B4-BE49-F238E27FC236}">
-                <a16:creationId xmlns:a16="http://schemas.microsoft.com/office/drawing/2014/main" id="{4AB2D063-FD23-F92A-B3C7-E4C1FCB115E3}"/>
-              </a:ext>
-            </a:extLst>
-          </p:cNvPr>
-          <p:cNvSpPr/>
-          <p:nvPr/>
-        </p:nvSpPr>
-        <p:spPr>
-          <a:xfrm>
-            <a:off x="4090861" y="3861576"/>
-            <a:ext cx="1706575" cy="1941183"/>
-          </a:xfrm>
-          <a:prstGeom prst="rect">
-            <a:avLst/>
-          </a:prstGeom>
-          <a:noFill/>
-        </p:spPr>
-        <p:style>
-          <a:lnRef idx="2">
-            <a:schemeClr val="accent1">
-              <a:shade val="15000"/>
-            </a:schemeClr>
-          </a:lnRef>
-          <a:fillRef idx="1">
-            <a:schemeClr val="accent1"/>
-          </a:fillRef>
-          <a:effectRef idx="0">
-            <a:schemeClr val="accent1"/>
-          </a:effectRef>
-          <a:fontRef idx="minor">
-            <a:schemeClr val="lt1"/>
-          </a:fontRef>
-        </p:style>
-        <p:txBody>
-          <a:bodyPr rtlCol="1" anchor="ctr"/>
-          <a:lstStyle/>
-          <a:p>
-            <a:pPr algn="ctr"/>
-            <a:endParaRPr lang="he-IL"/>
+            <a:endParaRPr lang="he-IL">
+              <a:solidFill>
+                <a:srgbClr val="FF0000"/>
+              </a:solidFill>
+            </a:endParaRPr>
           </a:p>
         </p:txBody>
       </p:sp>
